--- a/Vicsápi Levente/C#/ppt/Listák.pptx
+++ b/Vicsápi Levente/C#/ppt/Listák.pptx
@@ -269,7 +269,7 @@
           <a:p>
             <a:fld id="{CFF87546-C6A7-4148-8F4C-3C91ADC8FA28}" type="datetimeFigureOut">
               <a:rPr lang="hu-HU" smtClean="0"/>
-              <a:t>2023. 11. 05.</a:t>
+              <a:t>2023. 11. 10.</a:t>
             </a:fld>
             <a:endParaRPr lang="hu-HU"/>
           </a:p>
@@ -467,7 +467,7 @@
           <a:p>
             <a:fld id="{CFF87546-C6A7-4148-8F4C-3C91ADC8FA28}" type="datetimeFigureOut">
               <a:rPr lang="hu-HU" smtClean="0"/>
-              <a:t>2023. 11. 05.</a:t>
+              <a:t>2023. 11. 10.</a:t>
             </a:fld>
             <a:endParaRPr lang="hu-HU"/>
           </a:p>
@@ -675,7 +675,7 @@
           <a:p>
             <a:fld id="{CFF87546-C6A7-4148-8F4C-3C91ADC8FA28}" type="datetimeFigureOut">
               <a:rPr lang="hu-HU" smtClean="0"/>
-              <a:t>2023. 11. 05.</a:t>
+              <a:t>2023. 11. 10.</a:t>
             </a:fld>
             <a:endParaRPr lang="hu-HU"/>
           </a:p>
@@ -873,7 +873,7 @@
           <a:p>
             <a:fld id="{CFF87546-C6A7-4148-8F4C-3C91ADC8FA28}" type="datetimeFigureOut">
               <a:rPr lang="hu-HU" smtClean="0"/>
-              <a:t>2023. 11. 05.</a:t>
+              <a:t>2023. 11. 10.</a:t>
             </a:fld>
             <a:endParaRPr lang="hu-HU"/>
           </a:p>
@@ -1148,7 +1148,7 @@
           <a:p>
             <a:fld id="{CFF87546-C6A7-4148-8F4C-3C91ADC8FA28}" type="datetimeFigureOut">
               <a:rPr lang="hu-HU" smtClean="0"/>
-              <a:t>2023. 11. 05.</a:t>
+              <a:t>2023. 11. 10.</a:t>
             </a:fld>
             <a:endParaRPr lang="hu-HU"/>
           </a:p>
@@ -1413,7 +1413,7 @@
           <a:p>
             <a:fld id="{CFF87546-C6A7-4148-8F4C-3C91ADC8FA28}" type="datetimeFigureOut">
               <a:rPr lang="hu-HU" smtClean="0"/>
-              <a:t>2023. 11. 05.</a:t>
+              <a:t>2023. 11. 10.</a:t>
             </a:fld>
             <a:endParaRPr lang="hu-HU"/>
           </a:p>
@@ -1825,7 +1825,7 @@
           <a:p>
             <a:fld id="{CFF87546-C6A7-4148-8F4C-3C91ADC8FA28}" type="datetimeFigureOut">
               <a:rPr lang="hu-HU" smtClean="0"/>
-              <a:t>2023. 11. 05.</a:t>
+              <a:t>2023. 11. 10.</a:t>
             </a:fld>
             <a:endParaRPr lang="hu-HU"/>
           </a:p>
@@ -1966,7 +1966,7 @@
           <a:p>
             <a:fld id="{CFF87546-C6A7-4148-8F4C-3C91ADC8FA28}" type="datetimeFigureOut">
               <a:rPr lang="hu-HU" smtClean="0"/>
-              <a:t>2023. 11. 05.</a:t>
+              <a:t>2023. 11. 10.</a:t>
             </a:fld>
             <a:endParaRPr lang="hu-HU"/>
           </a:p>
@@ -2079,7 +2079,7 @@
           <a:p>
             <a:fld id="{CFF87546-C6A7-4148-8F4C-3C91ADC8FA28}" type="datetimeFigureOut">
               <a:rPr lang="hu-HU" smtClean="0"/>
-              <a:t>2023. 11. 05.</a:t>
+              <a:t>2023. 11. 10.</a:t>
             </a:fld>
             <a:endParaRPr lang="hu-HU"/>
           </a:p>
@@ -2390,7 +2390,7 @@
           <a:p>
             <a:fld id="{CFF87546-C6A7-4148-8F4C-3C91ADC8FA28}" type="datetimeFigureOut">
               <a:rPr lang="hu-HU" smtClean="0"/>
-              <a:t>2023. 11. 05.</a:t>
+              <a:t>2023. 11. 10.</a:t>
             </a:fld>
             <a:endParaRPr lang="hu-HU"/>
           </a:p>
@@ -2678,7 +2678,7 @@
           <a:p>
             <a:fld id="{CFF87546-C6A7-4148-8F4C-3C91ADC8FA28}" type="datetimeFigureOut">
               <a:rPr lang="hu-HU" smtClean="0"/>
-              <a:t>2023. 11. 05.</a:t>
+              <a:t>2023. 11. 10.</a:t>
             </a:fld>
             <a:endParaRPr lang="hu-HU"/>
           </a:p>
@@ -2919,7 +2919,7 @@
           <a:p>
             <a:fld id="{CFF87546-C6A7-4148-8F4C-3C91ADC8FA28}" type="datetimeFigureOut">
               <a:rPr lang="hu-HU" smtClean="0"/>
-              <a:t>2023. 11. 05.</a:t>
+              <a:t>2023. 11. 10.</a:t>
             </a:fld>
             <a:endParaRPr lang="hu-HU"/>
           </a:p>
@@ -3495,6 +3495,92 @@
   <p:clrMapOvr>
     <a:masterClrMapping/>
   </p:clrMapOvr>
+  <p:timing>
+    <p:tnLst>
+      <p:par>
+        <p:cTn id="1" dur="indefinite" restart="never" nodeType="tmRoot">
+          <p:childTnLst>
+            <p:seq concurrent="1" nextAc="seek">
+              <p:cTn id="2" dur="indefinite" nodeType="mainSeq">
+                <p:childTnLst>
+                  <p:par>
+                    <p:cTn id="3" fill="hold">
+                      <p:stCondLst>
+                        <p:cond delay="indefinite"/>
+                        <p:cond evt="onBegin" delay="0">
+                          <p:tn val="2"/>
+                        </p:cond>
+                      </p:stCondLst>
+                      <p:childTnLst>
+                        <p:par>
+                          <p:cTn id="4" fill="hold">
+                            <p:stCondLst>
+                              <p:cond delay="0"/>
+                            </p:stCondLst>
+                            <p:childTnLst>
+                              <p:par>
+                                <p:cTn id="5" presetID="22" presetClass="entr" presetSubtype="4" fill="hold" nodeType="afterEffect">
+                                  <p:stCondLst>
+                                    <p:cond delay="0"/>
+                                  </p:stCondLst>
+                                  <p:childTnLst>
+                                    <p:set>
+                                      <p:cBhvr>
+                                        <p:cTn id="6" dur="1" fill="hold">
+                                          <p:stCondLst>
+                                            <p:cond delay="0"/>
+                                          </p:stCondLst>
+                                        </p:cTn>
+                                        <p:tgtEl>
+                                          <p:spTgt spid="12"/>
+                                        </p:tgtEl>
+                                        <p:attrNameLst>
+                                          <p:attrName>style.visibility</p:attrName>
+                                        </p:attrNameLst>
+                                      </p:cBhvr>
+                                      <p:to>
+                                        <p:strVal val="visible"/>
+                                      </p:to>
+                                    </p:set>
+                                    <p:animEffect transition="in" filter="wipe(down)">
+                                      <p:cBhvr>
+                                        <p:cTn id="7" dur="1000"/>
+                                        <p:tgtEl>
+                                          <p:spTgt spid="12"/>
+                                        </p:tgtEl>
+                                      </p:cBhvr>
+                                    </p:animEffect>
+                                  </p:childTnLst>
+                                </p:cTn>
+                              </p:par>
+                            </p:childTnLst>
+                          </p:cTn>
+                        </p:par>
+                      </p:childTnLst>
+                    </p:cTn>
+                  </p:par>
+                </p:childTnLst>
+              </p:cTn>
+              <p:prevCondLst>
+                <p:cond evt="onPrev" delay="0">
+                  <p:tgtEl>
+                    <p:sldTgt/>
+                  </p:tgtEl>
+                </p:cond>
+              </p:prevCondLst>
+              <p:nextCondLst>
+                <p:cond evt="onNext" delay="0">
+                  <p:tgtEl>
+                    <p:sldTgt/>
+                  </p:tgtEl>
+                </p:cond>
+              </p:nextCondLst>
+            </p:seq>
+          </p:childTnLst>
+        </p:cTn>
+      </p:par>
+    </p:tnLst>
+  </p:timing>
 </p:sld>
 </file>
 
@@ -4015,6 +4101,92 @@
   <p:clrMapOvr>
     <a:masterClrMapping/>
   </p:clrMapOvr>
+  <p:timing>
+    <p:tnLst>
+      <p:par>
+        <p:cTn id="1" dur="indefinite" restart="never" nodeType="tmRoot">
+          <p:childTnLst>
+            <p:seq concurrent="1" nextAc="seek">
+              <p:cTn id="2" dur="indefinite" nodeType="mainSeq">
+                <p:childTnLst>
+                  <p:par>
+                    <p:cTn id="3" fill="hold">
+                      <p:stCondLst>
+                        <p:cond delay="indefinite"/>
+                        <p:cond evt="onBegin" delay="0">
+                          <p:tn val="2"/>
+                        </p:cond>
+                      </p:stCondLst>
+                      <p:childTnLst>
+                        <p:par>
+                          <p:cTn id="4" fill="hold">
+                            <p:stCondLst>
+                              <p:cond delay="0"/>
+                            </p:stCondLst>
+                            <p:childTnLst>
+                              <p:par>
+                                <p:cTn id="5" presetID="21" presetClass="entr" presetSubtype="1" fill="hold" nodeType="afterEffect">
+                                  <p:stCondLst>
+                                    <p:cond delay="0"/>
+                                  </p:stCondLst>
+                                  <p:childTnLst>
+                                    <p:set>
+                                      <p:cBhvr>
+                                        <p:cTn id="6" dur="1" fill="hold">
+                                          <p:stCondLst>
+                                            <p:cond delay="0"/>
+                                          </p:stCondLst>
+                                        </p:cTn>
+                                        <p:tgtEl>
+                                          <p:spTgt spid="4"/>
+                                        </p:tgtEl>
+                                        <p:attrNameLst>
+                                          <p:attrName>style.visibility</p:attrName>
+                                        </p:attrNameLst>
+                                      </p:cBhvr>
+                                      <p:to>
+                                        <p:strVal val="visible"/>
+                                      </p:to>
+                                    </p:set>
+                                    <p:animEffect transition="in" filter="wheel(1)">
+                                      <p:cBhvr>
+                                        <p:cTn id="7" dur="2000"/>
+                                        <p:tgtEl>
+                                          <p:spTgt spid="4"/>
+                                        </p:tgtEl>
+                                      </p:cBhvr>
+                                    </p:animEffect>
+                                  </p:childTnLst>
+                                </p:cTn>
+                              </p:par>
+                            </p:childTnLst>
+                          </p:cTn>
+                        </p:par>
+                      </p:childTnLst>
+                    </p:cTn>
+                  </p:par>
+                </p:childTnLst>
+              </p:cTn>
+              <p:prevCondLst>
+                <p:cond evt="onPrev" delay="0">
+                  <p:tgtEl>
+                    <p:sldTgt/>
+                  </p:tgtEl>
+                </p:cond>
+              </p:prevCondLst>
+              <p:nextCondLst>
+                <p:cond evt="onNext" delay="0">
+                  <p:tgtEl>
+                    <p:sldTgt/>
+                  </p:tgtEl>
+                </p:cond>
+              </p:nextCondLst>
+            </p:seq>
+          </p:childTnLst>
+        </p:cTn>
+      </p:par>
+    </p:tnLst>
+  </p:timing>
 </p:sld>
 </file>
 
@@ -4662,6 +4834,138 @@
   <p:clrMapOvr>
     <a:masterClrMapping/>
   </p:clrMapOvr>
+  <p:timing>
+    <p:tnLst>
+      <p:par>
+        <p:cTn id="1" dur="indefinite" restart="never" nodeType="tmRoot">
+          <p:childTnLst>
+            <p:seq concurrent="1" nextAc="seek">
+              <p:cTn id="2" dur="indefinite" nodeType="mainSeq">
+                <p:childTnLst>
+                  <p:par>
+                    <p:cTn id="3" fill="hold">
+                      <p:stCondLst>
+                        <p:cond delay="indefinite"/>
+                        <p:cond evt="onBegin" delay="0">
+                          <p:tn val="2"/>
+                        </p:cond>
+                      </p:stCondLst>
+                      <p:childTnLst>
+                        <p:par>
+                          <p:cTn id="4" fill="hold">
+                            <p:stCondLst>
+                              <p:cond delay="0"/>
+                            </p:stCondLst>
+                            <p:childTnLst>
+                              <p:par>
+                                <p:cTn id="5" presetID="42" presetClass="entr" presetSubtype="0" fill="hold" nodeType="afterEffect">
+                                  <p:stCondLst>
+                                    <p:cond delay="0"/>
+                                  </p:stCondLst>
+                                  <p:childTnLst>
+                                    <p:set>
+                                      <p:cBhvr>
+                                        <p:cTn id="6" dur="1" fill="hold">
+                                          <p:stCondLst>
+                                            <p:cond delay="0"/>
+                                          </p:stCondLst>
+                                        </p:cTn>
+                                        <p:tgtEl>
+                                          <p:spTgt spid="4"/>
+                                        </p:tgtEl>
+                                        <p:attrNameLst>
+                                          <p:attrName>style.visibility</p:attrName>
+                                        </p:attrNameLst>
+                                      </p:cBhvr>
+                                      <p:to>
+                                        <p:strVal val="visible"/>
+                                      </p:to>
+                                    </p:set>
+                                    <p:animEffect transition="in" filter="fade">
+                                      <p:cBhvr>
+                                        <p:cTn id="7" dur="5000"/>
+                                        <p:tgtEl>
+                                          <p:spTgt spid="4"/>
+                                        </p:tgtEl>
+                                      </p:cBhvr>
+                                    </p:animEffect>
+                                    <p:anim calcmode="lin" valueType="num">
+                                      <p:cBhvr>
+                                        <p:cTn id="8" dur="5000" fill="hold"/>
+                                        <p:tgtEl>
+                                          <p:spTgt spid="4"/>
+                                        </p:tgtEl>
+                                        <p:attrNameLst>
+                                          <p:attrName>ppt_x</p:attrName>
+                                        </p:attrNameLst>
+                                      </p:cBhvr>
+                                      <p:tavLst>
+                                        <p:tav tm="0">
+                                          <p:val>
+                                            <p:strVal val="#ppt_x"/>
+                                          </p:val>
+                                        </p:tav>
+                                        <p:tav tm="100000">
+                                          <p:val>
+                                            <p:strVal val="#ppt_x"/>
+                                          </p:val>
+                                        </p:tav>
+                                      </p:tavLst>
+                                    </p:anim>
+                                    <p:anim calcmode="lin" valueType="num">
+                                      <p:cBhvr>
+                                        <p:cTn id="9" dur="5000" fill="hold"/>
+                                        <p:tgtEl>
+                                          <p:spTgt spid="4"/>
+                                        </p:tgtEl>
+                                        <p:attrNameLst>
+                                          <p:attrName>ppt_y</p:attrName>
+                                        </p:attrNameLst>
+                                      </p:cBhvr>
+                                      <p:tavLst>
+                                        <p:tav tm="0">
+                                          <p:val>
+                                            <p:strVal val="#ppt_y+.1"/>
+                                          </p:val>
+                                        </p:tav>
+                                        <p:tav tm="100000">
+                                          <p:val>
+                                            <p:strVal val="#ppt_y"/>
+                                          </p:val>
+                                        </p:tav>
+                                      </p:tavLst>
+                                    </p:anim>
+                                  </p:childTnLst>
+                                </p:cTn>
+                              </p:par>
+                            </p:childTnLst>
+                          </p:cTn>
+                        </p:par>
+                      </p:childTnLst>
+                    </p:cTn>
+                  </p:par>
+                </p:childTnLst>
+              </p:cTn>
+              <p:prevCondLst>
+                <p:cond evt="onPrev" delay="0">
+                  <p:tgtEl>
+                    <p:sldTgt/>
+                  </p:tgtEl>
+                </p:cond>
+              </p:prevCondLst>
+              <p:nextCondLst>
+                <p:cond evt="onNext" delay="0">
+                  <p:tgtEl>
+                    <p:sldTgt/>
+                  </p:tgtEl>
+                </p:cond>
+              </p:nextCondLst>
+            </p:seq>
+          </p:childTnLst>
+        </p:cTn>
+      </p:par>
+    </p:tnLst>
+  </p:timing>
 </p:sld>
 </file>
 
@@ -5528,6 +5832,379 @@
   <p:clrMapOvr>
     <a:masterClrMapping/>
   </p:clrMapOvr>
+  <p:timing>
+    <p:tnLst>
+      <p:par>
+        <p:cTn id="1" dur="indefinite" restart="never" nodeType="tmRoot">
+          <p:childTnLst>
+            <p:seq concurrent="1" nextAc="seek">
+              <p:cTn id="2" dur="indefinite" nodeType="mainSeq">
+                <p:childTnLst>
+                  <p:par>
+                    <p:cTn id="3" fill="hold">
+                      <p:stCondLst>
+                        <p:cond delay="indefinite"/>
+                        <p:cond evt="onBegin" delay="0">
+                          <p:tn val="2"/>
+                        </p:cond>
+                      </p:stCondLst>
+                      <p:childTnLst>
+                        <p:par>
+                          <p:cTn id="4" fill="hold">
+                            <p:stCondLst>
+                              <p:cond delay="0"/>
+                            </p:stCondLst>
+                            <p:childTnLst>
+                              <p:par>
+                                <p:cTn id="5" presetID="26" presetClass="entr" presetSubtype="0" fill="hold" nodeType="afterEffect">
+                                  <p:stCondLst>
+                                    <p:cond delay="0"/>
+                                  </p:stCondLst>
+                                  <p:childTnLst>
+                                    <p:set>
+                                      <p:cBhvr>
+                                        <p:cTn id="6" dur="1" fill="hold">
+                                          <p:stCondLst>
+                                            <p:cond delay="0"/>
+                                          </p:stCondLst>
+                                        </p:cTn>
+                                        <p:tgtEl>
+                                          <p:spTgt spid="6"/>
+                                        </p:tgtEl>
+                                        <p:attrNameLst>
+                                          <p:attrName>style.visibility</p:attrName>
+                                        </p:attrNameLst>
+                                      </p:cBhvr>
+                                      <p:to>
+                                        <p:strVal val="visible"/>
+                                      </p:to>
+                                    </p:set>
+                                    <p:animEffect transition="in" filter="wipe(down)">
+                                      <p:cBhvr>
+                                        <p:cTn id="7" dur="1160">
+                                          <p:stCondLst>
+                                            <p:cond delay="0"/>
+                                          </p:stCondLst>
+                                        </p:cTn>
+                                        <p:tgtEl>
+                                          <p:spTgt spid="6"/>
+                                        </p:tgtEl>
+                                      </p:cBhvr>
+                                    </p:animEffect>
+                                    <p:anim calcmode="lin" valueType="num">
+                                      <p:cBhvr>
+                                        <p:cTn id="8" dur="3644" tmFilter="0,0; 0.14,0.36; 0.43,0.73; 0.71,0.91; 1.0,1.0">
+                                          <p:stCondLst>
+                                            <p:cond delay="0"/>
+                                          </p:stCondLst>
+                                        </p:cTn>
+                                        <p:tgtEl>
+                                          <p:spTgt spid="6"/>
+                                        </p:tgtEl>
+                                        <p:attrNameLst>
+                                          <p:attrName>ppt_x</p:attrName>
+                                        </p:attrNameLst>
+                                      </p:cBhvr>
+                                      <p:tavLst>
+                                        <p:tav tm="0">
+                                          <p:val>
+                                            <p:strVal val="#ppt_x-0.25"/>
+                                          </p:val>
+                                        </p:tav>
+                                        <p:tav tm="100000">
+                                          <p:val>
+                                            <p:strVal val="#ppt_x"/>
+                                          </p:val>
+                                        </p:tav>
+                                      </p:tavLst>
+                                    </p:anim>
+                                    <p:anim calcmode="lin" valueType="num">
+                                      <p:cBhvr>
+                                        <p:cTn id="9" dur="1328" tmFilter="0.0,0.0; 0.25,0.07; 0.50,0.2; 0.75,0.467; 1.0,1.0">
+                                          <p:stCondLst>
+                                            <p:cond delay="0"/>
+                                          </p:stCondLst>
+                                        </p:cTn>
+                                        <p:tgtEl>
+                                          <p:spTgt spid="6"/>
+                                        </p:tgtEl>
+                                        <p:attrNameLst>
+                                          <p:attrName>ppt_y</p:attrName>
+                                        </p:attrNameLst>
+                                      </p:cBhvr>
+                                      <p:tavLst>
+                                        <p:tav tm="0" fmla="#ppt_y-sin(pi*$)/3">
+                                          <p:val>
+                                            <p:fltVal val="0.5"/>
+                                          </p:val>
+                                        </p:tav>
+                                        <p:tav tm="100000">
+                                          <p:val>
+                                            <p:fltVal val="1"/>
+                                          </p:val>
+                                        </p:tav>
+                                      </p:tavLst>
+                                    </p:anim>
+                                    <p:anim calcmode="lin" valueType="num">
+                                      <p:cBhvr>
+                                        <p:cTn id="10" dur="1328" tmFilter="0, 0; 0.125,0.2665; 0.25,0.4; 0.375,0.465; 0.5,0.5;  0.625,0.535; 0.75,0.6; 0.875,0.7335; 1,1">
+                                          <p:stCondLst>
+                                            <p:cond delay="1328"/>
+                                          </p:stCondLst>
+                                        </p:cTn>
+                                        <p:tgtEl>
+                                          <p:spTgt spid="6"/>
+                                        </p:tgtEl>
+                                        <p:attrNameLst>
+                                          <p:attrName>ppt_y</p:attrName>
+                                        </p:attrNameLst>
+                                      </p:cBhvr>
+                                      <p:tavLst>
+                                        <p:tav tm="0" fmla="#ppt_y-sin(pi*$)/9">
+                                          <p:val>
+                                            <p:fltVal val="0"/>
+                                          </p:val>
+                                        </p:tav>
+                                        <p:tav tm="100000">
+                                          <p:val>
+                                            <p:fltVal val="1"/>
+                                          </p:val>
+                                        </p:tav>
+                                      </p:tavLst>
+                                    </p:anim>
+                                    <p:anim calcmode="lin" valueType="num">
+                                      <p:cBhvr>
+                                        <p:cTn id="11" dur="664" tmFilter="0, 0; 0.125,0.2665; 0.25,0.4; 0.375,0.465; 0.5,0.5;  0.625,0.535; 0.75,0.6; 0.875,0.7335; 1,1">
+                                          <p:stCondLst>
+                                            <p:cond delay="2648"/>
+                                          </p:stCondLst>
+                                        </p:cTn>
+                                        <p:tgtEl>
+                                          <p:spTgt spid="6"/>
+                                        </p:tgtEl>
+                                        <p:attrNameLst>
+                                          <p:attrName>ppt_y</p:attrName>
+                                        </p:attrNameLst>
+                                      </p:cBhvr>
+                                      <p:tavLst>
+                                        <p:tav tm="0" fmla="#ppt_y-sin(pi*$)/27">
+                                          <p:val>
+                                            <p:fltVal val="0"/>
+                                          </p:val>
+                                        </p:tav>
+                                        <p:tav tm="100000">
+                                          <p:val>
+                                            <p:fltVal val="1"/>
+                                          </p:val>
+                                        </p:tav>
+                                      </p:tavLst>
+                                    </p:anim>
+                                    <p:anim calcmode="lin" valueType="num">
+                                      <p:cBhvr>
+                                        <p:cTn id="12" dur="328" tmFilter="0, 0; 0.125,0.2665; 0.25,0.4; 0.375,0.465; 0.5,0.5;  0.625,0.535; 0.75,0.6; 0.875,0.7335; 1,1">
+                                          <p:stCondLst>
+                                            <p:cond delay="3312"/>
+                                          </p:stCondLst>
+                                        </p:cTn>
+                                        <p:tgtEl>
+                                          <p:spTgt spid="6"/>
+                                        </p:tgtEl>
+                                        <p:attrNameLst>
+                                          <p:attrName>ppt_y</p:attrName>
+                                        </p:attrNameLst>
+                                      </p:cBhvr>
+                                      <p:tavLst>
+                                        <p:tav tm="0" fmla="#ppt_y-sin(pi*$)/81">
+                                          <p:val>
+                                            <p:fltVal val="0"/>
+                                          </p:val>
+                                        </p:tav>
+                                        <p:tav tm="100000">
+                                          <p:val>
+                                            <p:fltVal val="1"/>
+                                          </p:val>
+                                        </p:tav>
+                                      </p:tavLst>
+                                    </p:anim>
+                                    <p:animScale>
+                                      <p:cBhvr>
+                                        <p:cTn id="13" dur="52">
+                                          <p:stCondLst>
+                                            <p:cond delay="1300"/>
+                                          </p:stCondLst>
+                                        </p:cTn>
+                                        <p:tgtEl>
+                                          <p:spTgt spid="6"/>
+                                        </p:tgtEl>
+                                      </p:cBhvr>
+                                      <p:to x="100000" y="60000"/>
+                                    </p:animScale>
+                                    <p:animScale>
+                                      <p:cBhvr>
+                                        <p:cTn id="14" dur="332" decel="50000">
+                                          <p:stCondLst>
+                                            <p:cond delay="1352"/>
+                                          </p:stCondLst>
+                                        </p:cTn>
+                                        <p:tgtEl>
+                                          <p:spTgt spid="6"/>
+                                        </p:tgtEl>
+                                      </p:cBhvr>
+                                      <p:to x="100000" y="100000"/>
+                                    </p:animScale>
+                                    <p:animScale>
+                                      <p:cBhvr>
+                                        <p:cTn id="15" dur="52">
+                                          <p:stCondLst>
+                                            <p:cond delay="2624"/>
+                                          </p:stCondLst>
+                                        </p:cTn>
+                                        <p:tgtEl>
+                                          <p:spTgt spid="6"/>
+                                        </p:tgtEl>
+                                      </p:cBhvr>
+                                      <p:to x="100000" y="80000"/>
+                                    </p:animScale>
+                                    <p:animScale>
+                                      <p:cBhvr>
+                                        <p:cTn id="16" dur="332" decel="50000">
+                                          <p:stCondLst>
+                                            <p:cond delay="2676"/>
+                                          </p:stCondLst>
+                                        </p:cTn>
+                                        <p:tgtEl>
+                                          <p:spTgt spid="6"/>
+                                        </p:tgtEl>
+                                      </p:cBhvr>
+                                      <p:to x="100000" y="100000"/>
+                                    </p:animScale>
+                                    <p:animScale>
+                                      <p:cBhvr>
+                                        <p:cTn id="17" dur="52">
+                                          <p:stCondLst>
+                                            <p:cond delay="3284"/>
+                                          </p:stCondLst>
+                                        </p:cTn>
+                                        <p:tgtEl>
+                                          <p:spTgt spid="6"/>
+                                        </p:tgtEl>
+                                      </p:cBhvr>
+                                      <p:to x="100000" y="90000"/>
+                                    </p:animScale>
+                                    <p:animScale>
+                                      <p:cBhvr>
+                                        <p:cTn id="18" dur="332" decel="50000">
+                                          <p:stCondLst>
+                                            <p:cond delay="3336"/>
+                                          </p:stCondLst>
+                                        </p:cTn>
+                                        <p:tgtEl>
+                                          <p:spTgt spid="6"/>
+                                        </p:tgtEl>
+                                      </p:cBhvr>
+                                      <p:to x="100000" y="100000"/>
+                                    </p:animScale>
+                                    <p:animScale>
+                                      <p:cBhvr>
+                                        <p:cTn id="19" dur="52">
+                                          <p:stCondLst>
+                                            <p:cond delay="3616"/>
+                                          </p:stCondLst>
+                                        </p:cTn>
+                                        <p:tgtEl>
+                                          <p:spTgt spid="6"/>
+                                        </p:tgtEl>
+                                      </p:cBhvr>
+                                      <p:to x="100000" y="95000"/>
+                                    </p:animScale>
+                                    <p:animScale>
+                                      <p:cBhvr>
+                                        <p:cTn id="20" dur="332" decel="50000">
+                                          <p:stCondLst>
+                                            <p:cond delay="3668"/>
+                                          </p:stCondLst>
+                                        </p:cTn>
+                                        <p:tgtEl>
+                                          <p:spTgt spid="6"/>
+                                        </p:tgtEl>
+                                      </p:cBhvr>
+                                      <p:to x="100000" y="100000"/>
+                                    </p:animScale>
+                                  </p:childTnLst>
+                                </p:cTn>
+                              </p:par>
+                            </p:childTnLst>
+                          </p:cTn>
+                        </p:par>
+                        <p:par>
+                          <p:cTn id="21" fill="hold">
+                            <p:stCondLst>
+                              <p:cond delay="4000"/>
+                            </p:stCondLst>
+                            <p:childTnLst>
+                              <p:par>
+                                <p:cTn id="22" presetID="14" presetClass="entr" presetSubtype="10" fill="hold" nodeType="afterEffect">
+                                  <p:stCondLst>
+                                    <p:cond delay="0"/>
+                                  </p:stCondLst>
+                                  <p:childTnLst>
+                                    <p:set>
+                                      <p:cBhvr>
+                                        <p:cTn id="23" dur="1" fill="hold">
+                                          <p:stCondLst>
+                                            <p:cond delay="0"/>
+                                          </p:stCondLst>
+                                        </p:cTn>
+                                        <p:tgtEl>
+                                          <p:spTgt spid="4"/>
+                                        </p:tgtEl>
+                                        <p:attrNameLst>
+                                          <p:attrName>style.visibility</p:attrName>
+                                        </p:attrNameLst>
+                                      </p:cBhvr>
+                                      <p:to>
+                                        <p:strVal val="visible"/>
+                                      </p:to>
+                                    </p:set>
+                                    <p:animEffect transition="in" filter="randombar(horizontal)">
+                                      <p:cBhvr>
+                                        <p:cTn id="24" dur="2000"/>
+                                        <p:tgtEl>
+                                          <p:spTgt spid="4"/>
+                                        </p:tgtEl>
+                                      </p:cBhvr>
+                                    </p:animEffect>
+                                  </p:childTnLst>
+                                </p:cTn>
+                              </p:par>
+                            </p:childTnLst>
+                          </p:cTn>
+                        </p:par>
+                      </p:childTnLst>
+                    </p:cTn>
+                  </p:par>
+                </p:childTnLst>
+              </p:cTn>
+              <p:prevCondLst>
+                <p:cond evt="onPrev" delay="0">
+                  <p:tgtEl>
+                    <p:sldTgt/>
+                  </p:tgtEl>
+                </p:cond>
+              </p:prevCondLst>
+              <p:nextCondLst>
+                <p:cond evt="onNext" delay="0">
+                  <p:tgtEl>
+                    <p:sldTgt/>
+                  </p:tgtEl>
+                </p:cond>
+              </p:nextCondLst>
+            </p:seq>
+          </p:childTnLst>
+        </p:cTn>
+      </p:par>
+    </p:tnLst>
+  </p:timing>
 </p:sld>
 </file>
 
@@ -5649,7 +6326,7 @@
         </p:blipFill>
         <p:spPr>
           <a:xfrm>
-            <a:off x="5345113" y="492125"/>
+            <a:off x="5353502" y="458569"/>
             <a:ext cx="6167438" cy="2814638"/>
           </a:xfrm>
           <a:prstGeom prst="rect">
@@ -5743,6 +6420,219 @@
   <p:clrMapOvr>
     <a:masterClrMapping/>
   </p:clrMapOvr>
+  <p:timing>
+    <p:tnLst>
+      <p:par>
+        <p:cTn id="1" dur="indefinite" restart="never" nodeType="tmRoot">
+          <p:childTnLst>
+            <p:seq concurrent="1" nextAc="seek">
+              <p:cTn id="2" dur="indefinite" nodeType="mainSeq">
+                <p:childTnLst>
+                  <p:par>
+                    <p:cTn id="3" fill="hold">
+                      <p:stCondLst>
+                        <p:cond delay="indefinite"/>
+                        <p:cond evt="onBegin" delay="0">
+                          <p:tn val="2"/>
+                        </p:cond>
+                      </p:stCondLst>
+                      <p:childTnLst>
+                        <p:par>
+                          <p:cTn id="4" fill="hold">
+                            <p:stCondLst>
+                              <p:cond delay="0"/>
+                            </p:stCondLst>
+                            <p:childTnLst>
+                              <p:par>
+                                <p:cTn id="5" presetID="45" presetClass="entr" presetSubtype="0" fill="hold" nodeType="afterEffect">
+                                  <p:stCondLst>
+                                    <p:cond delay="0"/>
+                                  </p:stCondLst>
+                                  <p:childTnLst>
+                                    <p:set>
+                                      <p:cBhvr>
+                                        <p:cTn id="6" dur="1" fill="hold">
+                                          <p:stCondLst>
+                                            <p:cond delay="0"/>
+                                          </p:stCondLst>
+                                        </p:cTn>
+                                        <p:tgtEl>
+                                          <p:spTgt spid="4"/>
+                                        </p:tgtEl>
+                                        <p:attrNameLst>
+                                          <p:attrName>style.visibility</p:attrName>
+                                        </p:attrNameLst>
+                                      </p:cBhvr>
+                                      <p:to>
+                                        <p:strVal val="visible"/>
+                                      </p:to>
+                                    </p:set>
+                                    <p:animEffect transition="in" filter="fade">
+                                      <p:cBhvr>
+                                        <p:cTn id="7" dur="2000"/>
+                                        <p:tgtEl>
+                                          <p:spTgt spid="4"/>
+                                        </p:tgtEl>
+                                      </p:cBhvr>
+                                    </p:animEffect>
+                                    <p:anim calcmode="lin" valueType="num">
+                                      <p:cBhvr>
+                                        <p:cTn id="8" dur="2000" fill="hold"/>
+                                        <p:tgtEl>
+                                          <p:spTgt spid="4"/>
+                                        </p:tgtEl>
+                                        <p:attrNameLst>
+                                          <p:attrName>ppt_w</p:attrName>
+                                        </p:attrNameLst>
+                                      </p:cBhvr>
+                                      <p:tavLst>
+                                        <p:tav tm="0" fmla="#ppt_w*sin(2.5*pi*$)">
+                                          <p:val>
+                                            <p:fltVal val="0"/>
+                                          </p:val>
+                                        </p:tav>
+                                        <p:tav tm="100000">
+                                          <p:val>
+                                            <p:fltVal val="1"/>
+                                          </p:val>
+                                        </p:tav>
+                                      </p:tavLst>
+                                    </p:anim>
+                                    <p:anim calcmode="lin" valueType="num">
+                                      <p:cBhvr>
+                                        <p:cTn id="9" dur="2000" fill="hold"/>
+                                        <p:tgtEl>
+                                          <p:spTgt spid="4"/>
+                                        </p:tgtEl>
+                                        <p:attrNameLst>
+                                          <p:attrName>ppt_h</p:attrName>
+                                        </p:attrNameLst>
+                                      </p:cBhvr>
+                                      <p:tavLst>
+                                        <p:tav tm="0">
+                                          <p:val>
+                                            <p:strVal val="#ppt_h"/>
+                                          </p:val>
+                                        </p:tav>
+                                        <p:tav tm="100000">
+                                          <p:val>
+                                            <p:strVal val="#ppt_h"/>
+                                          </p:val>
+                                        </p:tav>
+                                      </p:tavLst>
+                                    </p:anim>
+                                  </p:childTnLst>
+                                </p:cTn>
+                              </p:par>
+                              <p:par>
+                                <p:cTn id="10" presetID="45" presetClass="entr" presetSubtype="0" fill="hold" nodeType="withEffect">
+                                  <p:stCondLst>
+                                    <p:cond delay="0"/>
+                                  </p:stCondLst>
+                                  <p:childTnLst>
+                                    <p:set>
+                                      <p:cBhvr>
+                                        <p:cTn id="11" dur="1" fill="hold">
+                                          <p:stCondLst>
+                                            <p:cond delay="0"/>
+                                          </p:stCondLst>
+                                        </p:cTn>
+                                        <p:tgtEl>
+                                          <p:spTgt spid="6"/>
+                                        </p:tgtEl>
+                                        <p:attrNameLst>
+                                          <p:attrName>style.visibility</p:attrName>
+                                        </p:attrNameLst>
+                                      </p:cBhvr>
+                                      <p:to>
+                                        <p:strVal val="visible"/>
+                                      </p:to>
+                                    </p:set>
+                                    <p:animEffect transition="in" filter="fade">
+                                      <p:cBhvr>
+                                        <p:cTn id="12" dur="2000"/>
+                                        <p:tgtEl>
+                                          <p:spTgt spid="6"/>
+                                        </p:tgtEl>
+                                      </p:cBhvr>
+                                    </p:animEffect>
+                                    <p:anim calcmode="lin" valueType="num">
+                                      <p:cBhvr>
+                                        <p:cTn id="13" dur="2000" fill="hold"/>
+                                        <p:tgtEl>
+                                          <p:spTgt spid="6"/>
+                                        </p:tgtEl>
+                                        <p:attrNameLst>
+                                          <p:attrName>ppt_w</p:attrName>
+                                        </p:attrNameLst>
+                                      </p:cBhvr>
+                                      <p:tavLst>
+                                        <p:tav tm="0" fmla="#ppt_w*sin(2.5*pi*$)">
+                                          <p:val>
+                                            <p:fltVal val="0"/>
+                                          </p:val>
+                                        </p:tav>
+                                        <p:tav tm="100000">
+                                          <p:val>
+                                            <p:fltVal val="1"/>
+                                          </p:val>
+                                        </p:tav>
+                                      </p:tavLst>
+                                    </p:anim>
+                                    <p:anim calcmode="lin" valueType="num">
+                                      <p:cBhvr>
+                                        <p:cTn id="14" dur="2000" fill="hold"/>
+                                        <p:tgtEl>
+                                          <p:spTgt spid="6"/>
+                                        </p:tgtEl>
+                                        <p:attrNameLst>
+                                          <p:attrName>ppt_h</p:attrName>
+                                        </p:attrNameLst>
+                                      </p:cBhvr>
+                                      <p:tavLst>
+                                        <p:tav tm="0">
+                                          <p:val>
+                                            <p:strVal val="#ppt_h"/>
+                                          </p:val>
+                                        </p:tav>
+                                        <p:tav tm="100000">
+                                          <p:val>
+                                            <p:strVal val="#ppt_h"/>
+                                          </p:val>
+                                        </p:tav>
+                                      </p:tavLst>
+                                    </p:anim>
+                                  </p:childTnLst>
+                                </p:cTn>
+                              </p:par>
+                            </p:childTnLst>
+                          </p:cTn>
+                        </p:par>
+                      </p:childTnLst>
+                    </p:cTn>
+                  </p:par>
+                </p:childTnLst>
+              </p:cTn>
+              <p:prevCondLst>
+                <p:cond evt="onPrev" delay="0">
+                  <p:tgtEl>
+                    <p:sldTgt/>
+                  </p:tgtEl>
+                </p:cond>
+              </p:prevCondLst>
+              <p:nextCondLst>
+                <p:cond evt="onNext" delay="0">
+                  <p:tgtEl>
+                    <p:sldTgt/>
+                  </p:tgtEl>
+                </p:cond>
+              </p:nextCondLst>
+            </p:seq>
+          </p:childTnLst>
+        </p:cTn>
+      </p:par>
+    </p:tnLst>
+  </p:timing>
 </p:sld>
 </file>
 
@@ -6293,6 +7183,161 @@
   <p:clrMapOvr>
     <a:masterClrMapping/>
   </p:clrMapOvr>
+  <p:timing>
+    <p:tnLst>
+      <p:par>
+        <p:cTn id="1" dur="indefinite" restart="never" nodeType="tmRoot">
+          <p:childTnLst>
+            <p:seq concurrent="1" nextAc="seek">
+              <p:cTn id="2" dur="indefinite" nodeType="mainSeq">
+                <p:childTnLst>
+                  <p:par>
+                    <p:cTn id="3" fill="hold">
+                      <p:stCondLst>
+                        <p:cond delay="indefinite"/>
+                        <p:cond evt="onBegin" delay="0">
+                          <p:tn val="2"/>
+                        </p:cond>
+                      </p:stCondLst>
+                      <p:childTnLst>
+                        <p:par>
+                          <p:cTn id="4" fill="hold">
+                            <p:stCondLst>
+                              <p:cond delay="0"/>
+                            </p:stCondLst>
+                            <p:childTnLst>
+                              <p:par>
+                                <p:cTn id="5" presetID="31" presetClass="entr" presetSubtype="0" fill="hold" nodeType="afterEffect">
+                                  <p:stCondLst>
+                                    <p:cond delay="0"/>
+                                  </p:stCondLst>
+                                  <p:childTnLst>
+                                    <p:set>
+                                      <p:cBhvr>
+                                        <p:cTn id="6" dur="1" fill="hold">
+                                          <p:stCondLst>
+                                            <p:cond delay="0"/>
+                                          </p:stCondLst>
+                                        </p:cTn>
+                                        <p:tgtEl>
+                                          <p:spTgt spid="4"/>
+                                        </p:tgtEl>
+                                        <p:attrNameLst>
+                                          <p:attrName>style.visibility</p:attrName>
+                                        </p:attrNameLst>
+                                      </p:cBhvr>
+                                      <p:to>
+                                        <p:strVal val="visible"/>
+                                      </p:to>
+                                    </p:set>
+                                    <p:anim calcmode="lin" valueType="num">
+                                      <p:cBhvr>
+                                        <p:cTn id="7" dur="2000" fill="hold"/>
+                                        <p:tgtEl>
+                                          <p:spTgt spid="4"/>
+                                        </p:tgtEl>
+                                        <p:attrNameLst>
+                                          <p:attrName>ppt_w</p:attrName>
+                                        </p:attrNameLst>
+                                      </p:cBhvr>
+                                      <p:tavLst>
+                                        <p:tav tm="0">
+                                          <p:val>
+                                            <p:fltVal val="0"/>
+                                          </p:val>
+                                        </p:tav>
+                                        <p:tav tm="100000">
+                                          <p:val>
+                                            <p:strVal val="#ppt_w"/>
+                                          </p:val>
+                                        </p:tav>
+                                      </p:tavLst>
+                                    </p:anim>
+                                    <p:anim calcmode="lin" valueType="num">
+                                      <p:cBhvr>
+                                        <p:cTn id="8" dur="2000" fill="hold"/>
+                                        <p:tgtEl>
+                                          <p:spTgt spid="4"/>
+                                        </p:tgtEl>
+                                        <p:attrNameLst>
+                                          <p:attrName>ppt_h</p:attrName>
+                                        </p:attrNameLst>
+                                      </p:cBhvr>
+                                      <p:tavLst>
+                                        <p:tav tm="0">
+                                          <p:val>
+                                            <p:fltVal val="0"/>
+                                          </p:val>
+                                        </p:tav>
+                                        <p:tav tm="100000">
+                                          <p:val>
+                                            <p:strVal val="#ppt_h"/>
+                                          </p:val>
+                                        </p:tav>
+                                      </p:tavLst>
+                                    </p:anim>
+                                    <p:anim calcmode="lin" valueType="num">
+                                      <p:cBhvr>
+                                        <p:cTn id="9" dur="2000" fill="hold"/>
+                                        <p:tgtEl>
+                                          <p:spTgt spid="4"/>
+                                        </p:tgtEl>
+                                        <p:attrNameLst>
+                                          <p:attrName>style.rotation</p:attrName>
+                                        </p:attrNameLst>
+                                      </p:cBhvr>
+                                      <p:tavLst>
+                                        <p:tav tm="0">
+                                          <p:val>
+                                            <p:fltVal val="90"/>
+                                          </p:val>
+                                        </p:tav>
+                                        <p:tav tm="100000">
+                                          <p:val>
+                                            <p:fltVal val="0"/>
+                                          </p:val>
+                                        </p:tav>
+                                      </p:tavLst>
+                                    </p:anim>
+                                    <p:animEffect transition="in" filter="fade">
+                                      <p:cBhvr>
+                                        <p:cTn id="10" dur="2000"/>
+                                        <p:tgtEl>
+                                          <p:spTgt spid="4"/>
+                                        </p:tgtEl>
+                                      </p:cBhvr>
+                                    </p:animEffect>
+                                  </p:childTnLst>
+                                </p:cTn>
+                              </p:par>
+                            </p:childTnLst>
+                          </p:cTn>
+                        </p:par>
+                      </p:childTnLst>
+                    </p:cTn>
+                  </p:par>
+                </p:childTnLst>
+              </p:cTn>
+              <p:prevCondLst>
+                <p:cond evt="onPrev" delay="0">
+                  <p:tgtEl>
+                    <p:sldTgt/>
+                  </p:tgtEl>
+                </p:cond>
+              </p:prevCondLst>
+              <p:nextCondLst>
+                <p:cond evt="onNext" delay="0">
+                  <p:tgtEl>
+                    <p:sldTgt/>
+                  </p:tgtEl>
+                </p:cond>
+              </p:nextCondLst>
+            </p:seq>
+          </p:childTnLst>
+        </p:cTn>
+      </p:par>
+    </p:tnLst>
+  </p:timing>
 </p:sld>
 </file>
 
@@ -6547,6 +7592,130 @@
   <p:clrMapOvr>
     <a:masterClrMapping/>
   </p:clrMapOvr>
+  <p:timing>
+    <p:tnLst>
+      <p:par>
+        <p:cTn id="1" dur="indefinite" restart="never" nodeType="tmRoot">
+          <p:childTnLst>
+            <p:seq concurrent="1" nextAc="seek">
+              <p:cTn id="2" dur="indefinite" nodeType="mainSeq">
+                <p:childTnLst>
+                  <p:par>
+                    <p:cTn id="3" fill="hold">
+                      <p:stCondLst>
+                        <p:cond delay="indefinite"/>
+                        <p:cond evt="onBegin" delay="0">
+                          <p:tn val="2"/>
+                        </p:cond>
+                      </p:stCondLst>
+                      <p:childTnLst>
+                        <p:par>
+                          <p:cTn id="4" fill="hold">
+                            <p:stCondLst>
+                              <p:cond delay="0"/>
+                            </p:stCondLst>
+                            <p:childTnLst>
+                              <p:par>
+                                <p:cTn id="5" presetID="2" presetClass="entr" presetSubtype="9" fill="hold" nodeType="afterEffect">
+                                  <p:stCondLst>
+                                    <p:cond delay="0"/>
+                                  </p:stCondLst>
+                                  <p:childTnLst>
+                                    <p:set>
+                                      <p:cBhvr>
+                                        <p:cTn id="6" dur="1" fill="hold">
+                                          <p:stCondLst>
+                                            <p:cond delay="0"/>
+                                          </p:stCondLst>
+                                        </p:cTn>
+                                        <p:tgtEl>
+                                          <p:spTgt spid="8"/>
+                                        </p:tgtEl>
+                                        <p:attrNameLst>
+                                          <p:attrName>style.visibility</p:attrName>
+                                        </p:attrNameLst>
+                                      </p:cBhvr>
+                                      <p:to>
+                                        <p:strVal val="visible"/>
+                                      </p:to>
+                                    </p:set>
+                                    <p:anim calcmode="lin" valueType="num">
+                                      <p:cBhvr additive="base">
+                                        <p:cTn id="7" dur="3000" fill="hold"/>
+                                        <p:tgtEl>
+                                          <p:spTgt spid="8"/>
+                                        </p:tgtEl>
+                                        <p:attrNameLst>
+                                          <p:attrName>ppt_x</p:attrName>
+                                        </p:attrNameLst>
+                                      </p:cBhvr>
+                                      <p:tavLst>
+                                        <p:tav tm="0">
+                                          <p:val>
+                                            <p:strVal val="0-#ppt_w/2"/>
+                                          </p:val>
+                                        </p:tav>
+                                        <p:tav tm="100000">
+                                          <p:val>
+                                            <p:strVal val="#ppt_x"/>
+                                          </p:val>
+                                        </p:tav>
+                                      </p:tavLst>
+                                    </p:anim>
+                                    <p:anim calcmode="lin" valueType="num">
+                                      <p:cBhvr additive="base">
+                                        <p:cTn id="8" dur="3000" fill="hold"/>
+                                        <p:tgtEl>
+                                          <p:spTgt spid="8"/>
+                                        </p:tgtEl>
+                                        <p:attrNameLst>
+                                          <p:attrName>ppt_y</p:attrName>
+                                        </p:attrNameLst>
+                                      </p:cBhvr>
+                                      <p:tavLst>
+                                        <p:tav tm="0">
+                                          <p:val>
+                                            <p:strVal val="0-#ppt_h/2"/>
+                                          </p:val>
+                                        </p:tav>
+                                        <p:tav tm="100000">
+                                          <p:val>
+                                            <p:strVal val="#ppt_y"/>
+                                          </p:val>
+                                        </p:tav>
+                                      </p:tavLst>
+                                    </p:anim>
+                                  </p:childTnLst>
+                                </p:cTn>
+                              </p:par>
+                            </p:childTnLst>
+                          </p:cTn>
+                        </p:par>
+                      </p:childTnLst>
+                    </p:cTn>
+                  </p:par>
+                </p:childTnLst>
+              </p:cTn>
+              <p:prevCondLst>
+                <p:cond evt="onPrev" delay="0">
+                  <p:tgtEl>
+                    <p:sldTgt/>
+                  </p:tgtEl>
+                </p:cond>
+              </p:prevCondLst>
+              <p:nextCondLst>
+                <p:cond evt="onNext" delay="0">
+                  <p:tgtEl>
+                    <p:sldTgt/>
+                  </p:tgtEl>
+                </p:cond>
+              </p:nextCondLst>
+            </p:seq>
+          </p:childTnLst>
+        </p:cTn>
+      </p:par>
+    </p:tnLst>
+  </p:timing>
 </p:sld>
 </file>
 
@@ -7119,6 +8288,138 @@
   <p:clrMapOvr>
     <a:masterClrMapping/>
   </p:clrMapOvr>
+  <p:timing>
+    <p:tnLst>
+      <p:par>
+        <p:cTn id="1" dur="indefinite" restart="never" nodeType="tmRoot">
+          <p:childTnLst>
+            <p:seq concurrent="1" nextAc="seek">
+              <p:cTn id="2" dur="indefinite" nodeType="mainSeq">
+                <p:childTnLst>
+                  <p:par>
+                    <p:cTn id="3" fill="hold">
+                      <p:stCondLst>
+                        <p:cond delay="indefinite"/>
+                        <p:cond evt="onBegin" delay="0">
+                          <p:tn val="2"/>
+                        </p:cond>
+                      </p:stCondLst>
+                      <p:childTnLst>
+                        <p:par>
+                          <p:cTn id="4" fill="hold">
+                            <p:stCondLst>
+                              <p:cond delay="0"/>
+                            </p:stCondLst>
+                            <p:childTnLst>
+                              <p:par>
+                                <p:cTn id="5" presetID="42" presetClass="entr" presetSubtype="0" fill="hold" nodeType="afterEffect">
+                                  <p:stCondLst>
+                                    <p:cond delay="0"/>
+                                  </p:stCondLst>
+                                  <p:childTnLst>
+                                    <p:set>
+                                      <p:cBhvr>
+                                        <p:cTn id="6" dur="1" fill="hold">
+                                          <p:stCondLst>
+                                            <p:cond delay="0"/>
+                                          </p:stCondLst>
+                                        </p:cTn>
+                                        <p:tgtEl>
+                                          <p:spTgt spid="4"/>
+                                        </p:tgtEl>
+                                        <p:attrNameLst>
+                                          <p:attrName>style.visibility</p:attrName>
+                                        </p:attrNameLst>
+                                      </p:cBhvr>
+                                      <p:to>
+                                        <p:strVal val="visible"/>
+                                      </p:to>
+                                    </p:set>
+                                    <p:animEffect transition="in" filter="fade">
+                                      <p:cBhvr>
+                                        <p:cTn id="7" dur="2000"/>
+                                        <p:tgtEl>
+                                          <p:spTgt spid="4"/>
+                                        </p:tgtEl>
+                                      </p:cBhvr>
+                                    </p:animEffect>
+                                    <p:anim calcmode="lin" valueType="num">
+                                      <p:cBhvr>
+                                        <p:cTn id="8" dur="2000" fill="hold"/>
+                                        <p:tgtEl>
+                                          <p:spTgt spid="4"/>
+                                        </p:tgtEl>
+                                        <p:attrNameLst>
+                                          <p:attrName>ppt_x</p:attrName>
+                                        </p:attrNameLst>
+                                      </p:cBhvr>
+                                      <p:tavLst>
+                                        <p:tav tm="0">
+                                          <p:val>
+                                            <p:strVal val="#ppt_x"/>
+                                          </p:val>
+                                        </p:tav>
+                                        <p:tav tm="100000">
+                                          <p:val>
+                                            <p:strVal val="#ppt_x"/>
+                                          </p:val>
+                                        </p:tav>
+                                      </p:tavLst>
+                                    </p:anim>
+                                    <p:anim calcmode="lin" valueType="num">
+                                      <p:cBhvr>
+                                        <p:cTn id="9" dur="2000" fill="hold"/>
+                                        <p:tgtEl>
+                                          <p:spTgt spid="4"/>
+                                        </p:tgtEl>
+                                        <p:attrNameLst>
+                                          <p:attrName>ppt_y</p:attrName>
+                                        </p:attrNameLst>
+                                      </p:cBhvr>
+                                      <p:tavLst>
+                                        <p:tav tm="0">
+                                          <p:val>
+                                            <p:strVal val="#ppt_y+.1"/>
+                                          </p:val>
+                                        </p:tav>
+                                        <p:tav tm="100000">
+                                          <p:val>
+                                            <p:strVal val="#ppt_y"/>
+                                          </p:val>
+                                        </p:tav>
+                                      </p:tavLst>
+                                    </p:anim>
+                                  </p:childTnLst>
+                                </p:cTn>
+                              </p:par>
+                            </p:childTnLst>
+                          </p:cTn>
+                        </p:par>
+                      </p:childTnLst>
+                    </p:cTn>
+                  </p:par>
+                </p:childTnLst>
+              </p:cTn>
+              <p:prevCondLst>
+                <p:cond evt="onPrev" delay="0">
+                  <p:tgtEl>
+                    <p:sldTgt/>
+                  </p:tgtEl>
+                </p:cond>
+              </p:prevCondLst>
+              <p:nextCondLst>
+                <p:cond evt="onNext" delay="0">
+                  <p:tgtEl>
+                    <p:sldTgt/>
+                  </p:tgtEl>
+                </p:cond>
+              </p:nextCondLst>
+            </p:seq>
+          </p:childTnLst>
+        </p:cTn>
+      </p:par>
+    </p:tnLst>
+  </p:timing>
 </p:sld>
 </file>
 
@@ -7325,6 +8626,165 @@
   <p:clrMapOvr>
     <a:masterClrMapping/>
   </p:clrMapOvr>
+  <p:timing>
+    <p:tnLst>
+      <p:par>
+        <p:cTn id="1" dur="indefinite" restart="never" nodeType="tmRoot">
+          <p:childTnLst>
+            <p:seq concurrent="1" nextAc="seek">
+              <p:cTn id="2" dur="indefinite" nodeType="mainSeq">
+                <p:childTnLst>
+                  <p:par>
+                    <p:cTn id="3" fill="hold">
+                      <p:stCondLst>
+                        <p:cond delay="indefinite"/>
+                        <p:cond evt="onBegin" delay="0">
+                          <p:tn val="2"/>
+                        </p:cond>
+                      </p:stCondLst>
+                      <p:childTnLst>
+                        <p:par>
+                          <p:cTn id="4" fill="hold">
+                            <p:stCondLst>
+                              <p:cond delay="0"/>
+                            </p:stCondLst>
+                            <p:childTnLst>
+                              <p:par>
+                                <p:cTn id="5" presetID="14" presetClass="entr" presetSubtype="10" fill="hold" nodeType="afterEffect">
+                                  <p:stCondLst>
+                                    <p:cond delay="0"/>
+                                  </p:stCondLst>
+                                  <p:childTnLst>
+                                    <p:set>
+                                      <p:cBhvr>
+                                        <p:cTn id="6" dur="1" fill="hold">
+                                          <p:stCondLst>
+                                            <p:cond delay="0"/>
+                                          </p:stCondLst>
+                                        </p:cTn>
+                                        <p:tgtEl>
+                                          <p:spTgt spid="4"/>
+                                        </p:tgtEl>
+                                        <p:attrNameLst>
+                                          <p:attrName>style.visibility</p:attrName>
+                                        </p:attrNameLst>
+                                      </p:cBhvr>
+                                      <p:to>
+                                        <p:strVal val="visible"/>
+                                      </p:to>
+                                    </p:set>
+                                    <p:animEffect transition="in" filter="randombar(horizontal)">
+                                      <p:cBhvr>
+                                        <p:cTn id="7" dur="1000"/>
+                                        <p:tgtEl>
+                                          <p:spTgt spid="4"/>
+                                        </p:tgtEl>
+                                      </p:cBhvr>
+                                    </p:animEffect>
+                                  </p:childTnLst>
+                                </p:cTn>
+                              </p:par>
+                              <p:par>
+                                <p:cTn id="8" presetID="2" presetClass="entr" presetSubtype="4" fill="hold" nodeType="withEffect">
+                                  <p:stCondLst>
+                                    <p:cond delay="0"/>
+                                  </p:stCondLst>
+                                  <p:childTnLst>
+                                    <p:set>
+                                      <p:cBhvr>
+                                        <p:cTn id="9" dur="1" fill="hold">
+                                          <p:stCondLst>
+                                            <p:cond delay="0"/>
+                                          </p:stCondLst>
+                                        </p:cTn>
+                                        <p:tgtEl>
+                                          <p:spTgt spid="6"/>
+                                        </p:tgtEl>
+                                        <p:attrNameLst>
+                                          <p:attrName>style.visibility</p:attrName>
+                                        </p:attrNameLst>
+                                      </p:cBhvr>
+                                      <p:to>
+                                        <p:strVal val="visible"/>
+                                      </p:to>
+                                    </p:set>
+                                    <p:anim calcmode="lin" valueType="num">
+                                      <p:cBhvr additive="base">
+                                        <p:cTn id="10" dur="1000" fill="hold"/>
+                                        <p:tgtEl>
+                                          <p:spTgt spid="6"/>
+                                        </p:tgtEl>
+                                        <p:attrNameLst>
+                                          <p:attrName>ppt_x</p:attrName>
+                                        </p:attrNameLst>
+                                      </p:cBhvr>
+                                      <p:tavLst>
+                                        <p:tav tm="0">
+                                          <p:val>
+                                            <p:strVal val="#ppt_x"/>
+                                          </p:val>
+                                        </p:tav>
+                                        <p:tav tm="100000">
+                                          <p:val>
+                                            <p:strVal val="#ppt_x"/>
+                                          </p:val>
+                                        </p:tav>
+                                      </p:tavLst>
+                                    </p:anim>
+                                    <p:anim calcmode="lin" valueType="num">
+                                      <p:cBhvr additive="base">
+                                        <p:cTn id="11" dur="1000" fill="hold"/>
+                                        <p:tgtEl>
+                                          <p:spTgt spid="6"/>
+                                        </p:tgtEl>
+                                        <p:attrNameLst>
+                                          <p:attrName>ppt_y</p:attrName>
+                                        </p:attrNameLst>
+                                      </p:cBhvr>
+                                      <p:tavLst>
+                                        <p:tav tm="0">
+                                          <p:val>
+                                            <p:strVal val="1+#ppt_h/2"/>
+                                          </p:val>
+                                        </p:tav>
+                                        <p:tav tm="100000">
+                                          <p:val>
+                                            <p:strVal val="#ppt_y"/>
+                                          </p:val>
+                                        </p:tav>
+                                      </p:tavLst>
+                                    </p:anim>
+                                  </p:childTnLst>
+                                </p:cTn>
+                              </p:par>
+                            </p:childTnLst>
+                          </p:cTn>
+                        </p:par>
+                      </p:childTnLst>
+                    </p:cTn>
+                  </p:par>
+                </p:childTnLst>
+              </p:cTn>
+              <p:prevCondLst>
+                <p:cond evt="onPrev" delay="0">
+                  <p:tgtEl>
+                    <p:sldTgt/>
+                  </p:tgtEl>
+                </p:cond>
+              </p:prevCondLst>
+              <p:nextCondLst>
+                <p:cond evt="onNext" delay="0">
+                  <p:tgtEl>
+                    <p:sldTgt/>
+                  </p:tgtEl>
+                </p:cond>
+              </p:nextCondLst>
+            </p:seq>
+          </p:childTnLst>
+        </p:cTn>
+      </p:par>
+    </p:tnLst>
+  </p:timing>
 </p:sld>
 </file>
 
